--- a/Project_2.pptx
+++ b/Project_2.pptx
@@ -5258,17 +5258,8 @@
               <a:rPr lang="en-US" sz="1400" dirty="0">
                 <a:latin typeface="Lucida Sans Typewriter" panose="020B0509030504030204" pitchFamily="49" charset="0"/>
               </a:rPr>
-              <a:t>	       Marker Cluster Group </a:t>
-            </a:r>
-            <a:r>
-              <a:rPr lang="en-US" sz="1400" dirty="0" err="1">
-                <a:latin typeface="Lucida Sans Typewriter" panose="020B0509030504030204" pitchFamily="49" charset="0"/>
-              </a:rPr>
-              <a:t>GeoMap</a:t>
-            </a:r>
-            <a:endParaRPr lang="en-US" sz="1400" dirty="0">
-              <a:latin typeface="Lucida Sans Typewriter" panose="020B0509030504030204" pitchFamily="49" charset="0"/>
-            </a:endParaRPr>
+              <a:t>	       Marker Cluster Group GeoMap</a:t>
+            </a:r>
           </a:p>
           <a:p>
             <a:pPr marL="0" indent="0">
@@ -5476,7 +5467,7 @@
                 <a:latin typeface="Lucida Sans Unicode" panose="020B0602030504020204" pitchFamily="34" charset="0"/>
                 <a:cs typeface="Lucida Sans Unicode" panose="020B0602030504020204" pitchFamily="34" charset="0"/>
               </a:rPr>
-              <a:t>Tasks</a:t>
+              <a:t>Process</a:t>
             </a:r>
           </a:p>
         </p:txBody>
@@ -5514,7 +5505,58 @@
                 <a:latin typeface="Lucida Sans Unicode" panose="020B0602030504020204" pitchFamily="34" charset="0"/>
                 <a:cs typeface="Lucida Sans Unicode" panose="020B0602030504020204" pitchFamily="34" charset="0"/>
               </a:rPr>
-              <a:t>Data extraction and cleansing:</a:t>
+              <a:t>Steps in Data </a:t>
+            </a:r>
+            <a:r>
+              <a:rPr lang="en-US" sz="2000" b="1" dirty="0">
+                <a:solidFill>
+                  <a:srgbClr val="FF0000"/>
+                </a:solidFill>
+                <a:latin typeface="Lucida Sans Unicode" panose="020B0602030504020204" pitchFamily="34" charset="0"/>
+                <a:cs typeface="Lucida Sans Unicode" panose="020B0602030504020204" pitchFamily="34" charset="0"/>
+              </a:rPr>
+              <a:t>E</a:t>
+            </a:r>
+            <a:r>
+              <a:rPr lang="en-US" sz="2000" b="1" dirty="0">
+                <a:latin typeface="Lucida Sans Unicode" panose="020B0602030504020204" pitchFamily="34" charset="0"/>
+                <a:cs typeface="Lucida Sans Unicode" panose="020B0602030504020204" pitchFamily="34" charset="0"/>
+              </a:rPr>
+              <a:t>xtraction, </a:t>
+            </a:r>
+            <a:r>
+              <a:rPr lang="en-US" sz="2000" b="1" dirty="0">
+                <a:solidFill>
+                  <a:srgbClr val="FF0000"/>
+                </a:solidFill>
+                <a:latin typeface="Lucida Sans Unicode" panose="020B0602030504020204" pitchFamily="34" charset="0"/>
+                <a:cs typeface="Lucida Sans Unicode" panose="020B0602030504020204" pitchFamily="34" charset="0"/>
+              </a:rPr>
+              <a:t>T</a:t>
+            </a:r>
+            <a:r>
+              <a:rPr lang="en-US" sz="2000" b="1" dirty="0">
+                <a:latin typeface="Lucida Sans Unicode" panose="020B0602030504020204" pitchFamily="34" charset="0"/>
+                <a:cs typeface="Lucida Sans Unicode" panose="020B0602030504020204" pitchFamily="34" charset="0"/>
+              </a:rPr>
+              <a:t>ransformation and </a:t>
+            </a:r>
+            <a:r>
+              <a:rPr lang="en-US" sz="2000" b="1" dirty="0">
+                <a:solidFill>
+                  <a:srgbClr val="FF0000"/>
+                </a:solidFill>
+                <a:latin typeface="Lucida Sans Unicode" panose="020B0602030504020204" pitchFamily="34" charset="0"/>
+                <a:cs typeface="Lucida Sans Unicode" panose="020B0602030504020204" pitchFamily="34" charset="0"/>
+              </a:rPr>
+              <a:t>L</a:t>
+            </a:r>
+            <a:r>
+              <a:rPr lang="en-US" sz="2000" b="1" dirty="0">
+                <a:latin typeface="Lucida Sans Unicode" panose="020B0602030504020204" pitchFamily="34" charset="0"/>
+                <a:cs typeface="Lucida Sans Unicode" panose="020B0602030504020204" pitchFamily="34" charset="0"/>
+              </a:rPr>
+              <a:t>oad:</a:t>
             </a:r>
           </a:p>
           <a:p>
@@ -5524,7 +5566,7 @@
                 <a:latin typeface="Lucida Sans Unicode" panose="020B0602030504020204" pitchFamily="34" charset="0"/>
                 <a:cs typeface="Lucida Sans Unicode" panose="020B0602030504020204" pitchFamily="34" charset="0"/>
               </a:rPr>
-              <a:t>BP - Load raw data into Postgres</a:t>
+              <a:t>Load raw data into Postgres</a:t>
             </a:r>
           </a:p>
           <a:p>
@@ -5534,7 +5576,7 @@
                 <a:latin typeface="Lucida Sans Unicode" panose="020B0602030504020204" pitchFamily="34" charset="0"/>
                 <a:cs typeface="Lucida Sans Unicode" panose="020B0602030504020204" pitchFamily="34" charset="0"/>
               </a:rPr>
-              <a:t>BP - Clean data in Python and SQL</a:t>
+              <a:t>Clean data in Python and SQL</a:t>
             </a:r>
           </a:p>
           <a:p>
@@ -5544,7 +5586,7 @@
                 <a:latin typeface="Lucida Sans Unicode" panose="020B0602030504020204" pitchFamily="34" charset="0"/>
                 <a:cs typeface="Lucida Sans Unicode" panose="020B0602030504020204" pitchFamily="34" charset="0"/>
               </a:rPr>
-              <a:t>BP - APIs: Causes, Locations, State, Year</a:t>
+              <a:t>APIs: Causes, Locations, State, Year</a:t>
             </a:r>
           </a:p>
           <a:p>
@@ -5560,31 +5602,48 @@
                 <a:latin typeface="Lucida Sans Unicode" panose="020B0602030504020204" pitchFamily="34" charset="0"/>
                 <a:cs typeface="Lucida Sans Unicode" panose="020B0602030504020204" pitchFamily="34" charset="0"/>
               </a:rPr>
-              <a:t>Web visualizations containing:</a:t>
-            </a:r>
-          </a:p>
-          <a:p>
-            <a:pPr lvl="1"/>
+              <a:t>Interactive</a:t>
+            </a:r>
             <a:r>
               <a:rPr lang="en-US" sz="2000" dirty="0">
                 <a:latin typeface="Lucida Sans Unicode" panose="020B0602030504020204" pitchFamily="34" charset="0"/>
                 <a:cs typeface="Lucida Sans Unicode" panose="020B0602030504020204" pitchFamily="34" charset="0"/>
               </a:rPr>
-              <a:t>AG - Map: </a:t>
-            </a:r>
-            <a:r>
-              <a:rPr lang="en-US" sz="2000" dirty="0" err="1">
+              <a:t> </a:t>
+            </a:r>
+            <a:r>
+              <a:rPr lang="en-US" sz="2000" b="1" dirty="0">
                 <a:latin typeface="Lucida Sans Unicode" panose="020B0602030504020204" pitchFamily="34" charset="0"/>
                 <a:cs typeface="Lucida Sans Unicode" panose="020B0602030504020204" pitchFamily="34" charset="0"/>
               </a:rPr>
-              <a:t>Geomap</a:t>
-            </a:r>
+              <a:t>Data </a:t>
+            </a:r>
+            <a:r>
+              <a:rPr lang="en-US" sz="2000" b="1" dirty="0">
+                <a:solidFill>
+                  <a:srgbClr val="FF0000"/>
+                </a:solidFill>
+                <a:latin typeface="Lucida Sans Unicode" panose="020B0602030504020204" pitchFamily="34" charset="0"/>
+                <a:cs typeface="Lucida Sans Unicode" panose="020B0602030504020204" pitchFamily="34" charset="0"/>
+              </a:rPr>
+              <a:t>V</a:t>
+            </a:r>
+            <a:r>
+              <a:rPr lang="en-US" sz="2000" b="1" dirty="0">
+                <a:latin typeface="Lucida Sans Unicode" panose="020B0602030504020204" pitchFamily="34" charset="0"/>
+                <a:cs typeface="Lucida Sans Unicode" panose="020B0602030504020204" pitchFamily="34" charset="0"/>
+              </a:rPr>
+              <a:t>isualizations:</a:t>
+            </a:r>
+          </a:p>
+          <a:p>
+            <a:pPr lvl="1"/>
             <a:r>
               <a:rPr lang="en-US" sz="2000" dirty="0">
                 <a:latin typeface="Lucida Sans Unicode" panose="020B0602030504020204" pitchFamily="34" charset="0"/>
                 <a:cs typeface="Lucida Sans Unicode" panose="020B0602030504020204" pitchFamily="34" charset="0"/>
               </a:rPr>
-              <a:t> with a marker cluster group layer by year</a:t>
+              <a:t>Index html and CSS</a:t>
             </a:r>
           </a:p>
           <a:p>
@@ -5594,7 +5653,7 @@
                 <a:latin typeface="Lucida Sans Unicode" panose="020B0602030504020204" pitchFamily="34" charset="0"/>
                 <a:cs typeface="Lucida Sans Unicode" panose="020B0602030504020204" pitchFamily="34" charset="0"/>
               </a:rPr>
-              <a:t>AG – Plotly Charts: Bar, Bubble, &amp; Stacked Bar</a:t>
+              <a:t>Choropleth by State with a color gradient by count of fires</a:t>
             </a:r>
           </a:p>
           <a:p>
@@ -5604,21 +5663,17 @@
                 <a:latin typeface="Lucida Sans Unicode" panose="020B0602030504020204" pitchFamily="34" charset="0"/>
                 <a:cs typeface="Lucida Sans Unicode" panose="020B0602030504020204" pitchFamily="34" charset="0"/>
               </a:rPr>
-              <a:t>MA &amp; </a:t>
-            </a:r>
-            <a:r>
-              <a:rPr lang="en-US" sz="2000" dirty="0" err="1">
-                <a:latin typeface="Lucida Sans Unicode" panose="020B0602030504020204" pitchFamily="34" charset="0"/>
-                <a:cs typeface="Lucida Sans Unicode" panose="020B0602030504020204" pitchFamily="34" charset="0"/>
-              </a:rPr>
-              <a:t>UF</a:t>
-            </a:r>
+              <a:t>Plotly Pie chart: Filter by State and Year</a:t>
+            </a:r>
+          </a:p>
+          <a:p>
+            <a:pPr lvl="1"/>
             <a:r>
               <a:rPr lang="en-US" sz="2000" dirty="0">
                 <a:latin typeface="Lucida Sans Unicode" panose="020B0602030504020204" pitchFamily="34" charset="0"/>
                 <a:cs typeface="Lucida Sans Unicode" panose="020B0602030504020204" pitchFamily="34" charset="0"/>
               </a:rPr>
-              <a:t> - Index html and CSS</a:t>
+              <a:t>Data table using Plotly</a:t>
             </a:r>
           </a:p>
           <a:p>
@@ -5628,7 +5683,7 @@
                 <a:latin typeface="Lucida Sans Unicode" panose="020B0602030504020204" pitchFamily="34" charset="0"/>
                 <a:cs typeface="Lucida Sans Unicode" panose="020B0602030504020204" pitchFamily="34" charset="0"/>
               </a:rPr>
-              <a:t>MA - Interactive Data table using Plotly</a:t>
+              <a:t>GeoMap with a marker cluster group layer: Filter by Year</a:t>
             </a:r>
           </a:p>
           <a:p>
@@ -5638,24 +5693,7 @@
                 <a:latin typeface="Lucida Sans Unicode" panose="020B0602030504020204" pitchFamily="34" charset="0"/>
                 <a:cs typeface="Lucida Sans Unicode" panose="020B0602030504020204" pitchFamily="34" charset="0"/>
               </a:rPr>
-              <a:t>SP &amp; OR - Interactive Pie-chart: Filter by State and Year</a:t>
-            </a:r>
-          </a:p>
-          <a:p>
-            <a:pPr lvl="1"/>
-            <a:r>
-              <a:rPr lang="en-US" sz="2000" dirty="0" err="1">
-                <a:latin typeface="Lucida Sans Unicode" panose="020B0602030504020204" pitchFamily="34" charset="0"/>
-                <a:cs typeface="Lucida Sans Unicode" panose="020B0602030504020204" pitchFamily="34" charset="0"/>
-              </a:rPr>
-              <a:t>UF</a:t>
-            </a:r>
-            <a:r>
-              <a:rPr lang="en-US" sz="2000" dirty="0">
-                <a:latin typeface="Lucida Sans Unicode" panose="020B0602030504020204" pitchFamily="34" charset="0"/>
-                <a:cs typeface="Lucida Sans Unicode" panose="020B0602030504020204" pitchFamily="34" charset="0"/>
-              </a:rPr>
-              <a:t> - Map: Choropleth by State with a color gradient by count of fires</a:t>
+              <a:t>Plotly Charts: Bar, Bubble and Stacked Bar</a:t>
             </a:r>
           </a:p>
         </p:txBody>
@@ -6622,7 +6660,7 @@
                 <a:latin typeface="Lucida Sans Unicode" panose="020B0602030504020204" pitchFamily="34" charset="0"/>
                 <a:cs typeface="Lucida Sans Unicode" panose="020B0602030504020204" pitchFamily="34" charset="0"/>
               </a:rPr>
-              <a:t>Project Findings</a:t>
+              <a:t>Project Outcomes</a:t>
             </a:r>
           </a:p>
         </p:txBody>
@@ -6651,23 +6689,110 @@
         </p:spPr>
         <p:txBody>
           <a:bodyPr>
-            <a:normAutofit/>
+            <a:normAutofit lnSpcReduction="10000"/>
           </a:bodyPr>
           <a:lstStyle/>
           <a:p>
             <a:r>
-              <a:rPr lang="en-US" sz="2400" dirty="0">
+              <a:rPr lang="en-US" dirty="0">
                 <a:latin typeface="Lucida Sans Unicode" panose="020B0602030504020204" pitchFamily="34" charset="0"/>
                 <a:cs typeface="Lucida Sans Unicode" panose="020B0602030504020204" pitchFamily="34" charset="0"/>
               </a:rPr>
-              <a:t>In the states most affected by fires, humans are the major contributor</a:t>
-            </a:r>
-          </a:p>
-          <a:p>
-            <a:endParaRPr lang="en-US" sz="2400" dirty="0">
+              <a:t>In the states most affected by fires, humans are the major contributor with </a:t>
+            </a:r>
+            <a:r>
+              <a:rPr lang="en-US" b="1" dirty="0">
+                <a:solidFill>
+                  <a:srgbClr val="FF0000"/>
+                </a:solidFill>
+                <a:latin typeface="Lucida Sans Unicode" panose="020B0602030504020204" pitchFamily="34" charset="0"/>
+                <a:cs typeface="Lucida Sans Unicode" panose="020B0602030504020204" pitchFamily="34" charset="0"/>
+              </a:rPr>
+              <a:t>68%</a:t>
+            </a:r>
+            <a:r>
+              <a:rPr lang="en-US" dirty="0">
+                <a:latin typeface="Lucida Sans Unicode" panose="020B0602030504020204" pitchFamily="34" charset="0"/>
+                <a:cs typeface="Lucida Sans Unicode" panose="020B0602030504020204" pitchFamily="34" charset="0"/>
+              </a:rPr>
+              <a:t>, followed by Undetermined </a:t>
+            </a:r>
+            <a:r>
+              <a:rPr lang="en-US" b="1" dirty="0">
+                <a:solidFill>
+                  <a:srgbClr val="FF0000"/>
+                </a:solidFill>
+                <a:latin typeface="Lucida Sans Unicode" panose="020B0602030504020204" pitchFamily="34" charset="0"/>
+                <a:cs typeface="Lucida Sans Unicode" panose="020B0602030504020204" pitchFamily="34" charset="0"/>
+              </a:rPr>
+              <a:t>19%</a:t>
+            </a:r>
+            <a:r>
+              <a:rPr lang="en-US" dirty="0">
+                <a:latin typeface="Lucida Sans Unicode" panose="020B0602030504020204" pitchFamily="34" charset="0"/>
+                <a:cs typeface="Lucida Sans Unicode" panose="020B0602030504020204" pitchFamily="34" charset="0"/>
+              </a:rPr>
+              <a:t> and Natural </a:t>
+            </a:r>
+            <a:r>
+              <a:rPr lang="en-US" b="1" dirty="0">
+                <a:solidFill>
+                  <a:srgbClr val="FF0000"/>
+                </a:solidFill>
+                <a:latin typeface="Lucida Sans Unicode" panose="020B0602030504020204" pitchFamily="34" charset="0"/>
+                <a:cs typeface="Lucida Sans Unicode" panose="020B0602030504020204" pitchFamily="34" charset="0"/>
+              </a:rPr>
+              <a:t>13%</a:t>
+            </a:r>
+          </a:p>
+          <a:p>
+            <a:r>
+              <a:rPr lang="en-US" dirty="0">
+                <a:latin typeface="Lucida Sans Unicode" panose="020B0602030504020204" pitchFamily="34" charset="0"/>
+                <a:cs typeface="Lucida Sans Unicode" panose="020B0602030504020204" pitchFamily="34" charset="0"/>
+              </a:rPr>
+              <a:t>The West coast has significantly higher counts of fires than the East cost which could be a result of drought in certain areas</a:t>
+            </a:r>
+          </a:p>
+          <a:p>
+            <a:r>
+              <a:rPr lang="it-IT" dirty="0">
+                <a:latin typeface="Lucida Sans Unicode" panose="020B0602030504020204" pitchFamily="34" charset="0"/>
+                <a:cs typeface="Lucida Sans Unicode" panose="020B0602030504020204" pitchFamily="34" charset="0"/>
+              </a:rPr>
+              <a:t>Top 5 states with high count of fires: Arizona, California, Montana, Oregon and Minnesota</a:t>
+            </a:r>
+          </a:p>
+          <a:p>
+            <a:r>
+              <a:rPr lang="en-US" dirty="0">
+                <a:latin typeface="Lucida Sans Unicode" panose="020B0602030504020204" pitchFamily="34" charset="0"/>
+                <a:cs typeface="Lucida Sans Unicode" panose="020B0602030504020204" pitchFamily="34" charset="0"/>
+              </a:rPr>
+              <a:t>New Hampshire and Vermont did not have any reported fires and hence are excluded from the dataset</a:t>
+            </a:r>
+            <a:endParaRPr lang="it-IT" dirty="0">
               <a:latin typeface="Lucida Sans Unicode" panose="020B0602030504020204" pitchFamily="34" charset="0"/>
               <a:cs typeface="Lucida Sans Unicode" panose="020B0602030504020204" pitchFamily="34" charset="0"/>
             </a:endParaRPr>
+          </a:p>
+          <a:p>
+            <a:r>
+              <a:rPr lang="en-US" dirty="0">
+                <a:latin typeface="Lucida Sans Unicode" panose="020B0602030504020204" pitchFamily="34" charset="0"/>
+                <a:cs typeface="Lucida Sans Unicode" panose="020B0602030504020204" pitchFamily="34" charset="0"/>
+              </a:rPr>
+              <a:t>Fires tend to be the highest in the summer months</a:t>
+            </a:r>
+          </a:p>
+          <a:p>
+            <a:r>
+              <a:rPr lang="en-US" dirty="0">
+                <a:latin typeface="Lucida Sans Unicode" panose="020B0602030504020204" pitchFamily="34" charset="0"/>
+                <a:cs typeface="Lucida Sans Unicode" panose="020B0602030504020204" pitchFamily="34" charset="0"/>
+              </a:rPr>
+              <a:t>2013 recorded the highest count of land fires</a:t>
+            </a:r>
           </a:p>
         </p:txBody>
       </p:sp>

--- a/Project_2.pptx
+++ b/Project_2.pptx
@@ -201,7 +201,7 @@
           <a:p>
             <a:fld id="{D787FA33-36A0-4BA6-AA24-14202E5CC49F}" type="datetimeFigureOut">
               <a:rPr lang="en-US" smtClean="0"/>
-              <a:t>9/14/2020</a:t>
+              <a:t>9/17/2020</a:t>
             </a:fld>
             <a:endParaRPr lang="en-US"/>
           </a:p>
@@ -1035,7 +1035,7 @@
           <a:p>
             <a:fld id="{76390919-E38A-43AC-80A0-C781043285AC}" type="datetimeFigureOut">
               <a:rPr lang="en-US" smtClean="0"/>
-              <a:t>9/14/2020</a:t>
+              <a:t>9/17/2020</a:t>
             </a:fld>
             <a:endParaRPr lang="en-US"/>
           </a:p>
@@ -1233,7 +1233,7 @@
           <a:p>
             <a:fld id="{76390919-E38A-43AC-80A0-C781043285AC}" type="datetimeFigureOut">
               <a:rPr lang="en-US" smtClean="0"/>
-              <a:t>9/14/2020</a:t>
+              <a:t>9/17/2020</a:t>
             </a:fld>
             <a:endParaRPr lang="en-US"/>
           </a:p>
@@ -1441,7 +1441,7 @@
           <a:p>
             <a:fld id="{76390919-E38A-43AC-80A0-C781043285AC}" type="datetimeFigureOut">
               <a:rPr lang="en-US" smtClean="0"/>
-              <a:t>9/14/2020</a:t>
+              <a:t>9/17/2020</a:t>
             </a:fld>
             <a:endParaRPr lang="en-US"/>
           </a:p>
@@ -1639,7 +1639,7 @@
           <a:p>
             <a:fld id="{76390919-E38A-43AC-80A0-C781043285AC}" type="datetimeFigureOut">
               <a:rPr lang="en-US" smtClean="0"/>
-              <a:t>9/14/2020</a:t>
+              <a:t>9/17/2020</a:t>
             </a:fld>
             <a:endParaRPr lang="en-US"/>
           </a:p>
@@ -1914,7 +1914,7 @@
           <a:p>
             <a:fld id="{76390919-E38A-43AC-80A0-C781043285AC}" type="datetimeFigureOut">
               <a:rPr lang="en-US" smtClean="0"/>
-              <a:t>9/14/2020</a:t>
+              <a:t>9/17/2020</a:t>
             </a:fld>
             <a:endParaRPr lang="en-US"/>
           </a:p>
@@ -2179,7 +2179,7 @@
           <a:p>
             <a:fld id="{76390919-E38A-43AC-80A0-C781043285AC}" type="datetimeFigureOut">
               <a:rPr lang="en-US" smtClean="0"/>
-              <a:t>9/14/2020</a:t>
+              <a:t>9/17/2020</a:t>
             </a:fld>
             <a:endParaRPr lang="en-US"/>
           </a:p>
@@ -2591,7 +2591,7 @@
           <a:p>
             <a:fld id="{76390919-E38A-43AC-80A0-C781043285AC}" type="datetimeFigureOut">
               <a:rPr lang="en-US" smtClean="0"/>
-              <a:t>9/14/2020</a:t>
+              <a:t>9/17/2020</a:t>
             </a:fld>
             <a:endParaRPr lang="en-US"/>
           </a:p>
@@ -2732,7 +2732,7 @@
           <a:p>
             <a:fld id="{76390919-E38A-43AC-80A0-C781043285AC}" type="datetimeFigureOut">
               <a:rPr lang="en-US" smtClean="0"/>
-              <a:t>9/14/2020</a:t>
+              <a:t>9/17/2020</a:t>
             </a:fld>
             <a:endParaRPr lang="en-US"/>
           </a:p>
@@ -2845,7 +2845,7 @@
           <a:p>
             <a:fld id="{76390919-E38A-43AC-80A0-C781043285AC}" type="datetimeFigureOut">
               <a:rPr lang="en-US" smtClean="0"/>
-              <a:t>9/14/2020</a:t>
+              <a:t>9/17/2020</a:t>
             </a:fld>
             <a:endParaRPr lang="en-US"/>
           </a:p>
@@ -3156,7 +3156,7 @@
           <a:p>
             <a:fld id="{76390919-E38A-43AC-80A0-C781043285AC}" type="datetimeFigureOut">
               <a:rPr lang="en-US" smtClean="0"/>
-              <a:t>9/14/2020</a:t>
+              <a:t>9/17/2020</a:t>
             </a:fld>
             <a:endParaRPr lang="en-US"/>
           </a:p>
@@ -3444,7 +3444,7 @@
           <a:p>
             <a:fld id="{76390919-E38A-43AC-80A0-C781043285AC}" type="datetimeFigureOut">
               <a:rPr lang="en-US" smtClean="0"/>
-              <a:t>9/14/2020</a:t>
+              <a:t>9/17/2020</a:t>
             </a:fld>
             <a:endParaRPr lang="en-US"/>
           </a:p>
@@ -3685,7 +3685,7 @@
           <a:p>
             <a:fld id="{76390919-E38A-43AC-80A0-C781043285AC}" type="datetimeFigureOut">
               <a:rPr lang="en-US" smtClean="0"/>
-              <a:t>9/14/2020</a:t>
+              <a:t>9/17/2020</a:t>
             </a:fld>
             <a:endParaRPr lang="en-US"/>
           </a:p>
@@ -6751,7 +6751,7 @@
                 <a:latin typeface="Lucida Sans Unicode" panose="020B0602030504020204" pitchFamily="34" charset="0"/>
                 <a:cs typeface="Lucida Sans Unicode" panose="020B0602030504020204" pitchFamily="34" charset="0"/>
               </a:rPr>
-              <a:t>The West coast has significantly higher counts of fires than the East cost which could be a result of drought in certain areas</a:t>
+              <a:t>The West coast has significantly higher counts of fires than the East coast which could be a result of drought in certain areas</a:t>
             </a:r>
           </a:p>
           <a:p>
